--- a/slides/482 - O sovereign God.pptx
+++ b/slides/482 - O sovereign God.pptx
@@ -238,7 +238,7 @@
               <a:pPr>
                 <a:defRPr/>
               </a:pPr>
-              <a:t>5/03/2014</a:t>
+              <a:t>25/08/2015</a:t>
             </a:fld>
             <a:endParaRPr lang="en-NZ"/>
           </a:p>
@@ -4402,7 +4402,15 @@
             </a:r>
             <a:r>
               <a:rPr lang="en-GB" dirty="0"/>
-              <a:t>Encouraged by your spirit we may live,</a:t>
+              <a:t>Encouraged by your </a:t>
+            </a:r>
+            <a:r>
+              <a:rPr lang="en-GB" dirty="0" smtClean="0"/>
+              <a:t>Spirit </a:t>
+            </a:r>
+            <a:r>
+              <a:rPr lang="en-GB" dirty="0"/>
+              <a:t>we may live,</a:t>
             </a:r>
             <a:endParaRPr lang="en-NZ" dirty="0"/>
           </a:p>
